--- a/Workshop_Presentation.pptx
+++ b/Workshop_Presentation.pptx
@@ -110,7 +110,41 @@
       </a:defRPr>
     </a:lvl9pPr>
   </p:defaultTextStyle>
+  <p:extLst>
+    <p:ext uri="{EFAFB233-063F-42B5-8137-9DF3F51BA10A}">
+      <p15:sldGuideLst xmlns:p15="http://schemas.microsoft.com/office/powerpoint/2012/main"/>
+    </p:ext>
+  </p:extLst>
 </p:presentation>
+</file>
+
+<file path=ppt/changesInfos/changesInfo1.xml><?xml version="1.0" encoding="utf-8"?>
+<pc:chgInfo xmlns:a="http://schemas.openxmlformats.org/drawingml/2006/main" xmlns:r="http://schemas.openxmlformats.org/officeDocument/2006/relationships" xmlns:ac="http://schemas.microsoft.com/office/drawing/2013/main/command" xmlns:pc="http://schemas.microsoft.com/office/powerpoint/2013/main/command">
+  <pc:docChgLst>
+    <pc:chgData name="Caroline Poveda" userId="dcb7646f-c2e8-4537-bd71-c5d58d22a638" providerId="ADAL" clId="{2A135C5D-1DDC-44B7-8D81-AC641D8C7C10}"/>
+    <pc:docChg chg="modSld">
+      <pc:chgData name="Caroline Poveda" userId="dcb7646f-c2e8-4537-bd71-c5d58d22a638" providerId="ADAL" clId="{2A135C5D-1DDC-44B7-8D81-AC641D8C7C10}" dt="2025-12-04T09:47:33.904" v="35" actId="20577"/>
+      <pc:docMkLst>
+        <pc:docMk/>
+      </pc:docMkLst>
+      <pc:sldChg chg="modSp mod">
+        <pc:chgData name="Caroline Poveda" userId="dcb7646f-c2e8-4537-bd71-c5d58d22a638" providerId="ADAL" clId="{2A135C5D-1DDC-44B7-8D81-AC641D8C7C10}" dt="2025-12-04T09:47:33.904" v="35" actId="20577"/>
+        <pc:sldMkLst>
+          <pc:docMk/>
+          <pc:sldMk cId="438218888" sldId="261"/>
+        </pc:sldMkLst>
+        <pc:spChg chg="mod">
+          <ac:chgData name="Caroline Poveda" userId="dcb7646f-c2e8-4537-bd71-c5d58d22a638" providerId="ADAL" clId="{2A135C5D-1DDC-44B7-8D81-AC641D8C7C10}" dt="2025-12-04T09:47:33.904" v="35" actId="20577"/>
+          <ac:spMkLst>
+            <pc:docMk/>
+            <pc:sldMk cId="438218888" sldId="261"/>
+            <ac:spMk id="2" creationId="{69887343-9487-A2D5-3105-FF7CED158BEA}"/>
+          </ac:spMkLst>
+        </pc:spChg>
+      </pc:sldChg>
+    </pc:docChg>
+  </pc:docChgLst>
+</pc:chgInfo>
 </file>
 
 <file path=ppt/slideLayouts/slideLayout1.xml><?xml version="1.0" encoding="utf-8"?>
@@ -4007,15 +4041,15 @@
           <a:p>
             <a:r>
               <a:rPr lang="fr-BE" dirty="0"/>
-              <a:t>Focus : fonction </a:t>
-            </a:r>
-            <a:r>
-              <a:rPr lang="fr-BE" dirty="0" err="1"/>
-              <a:t>RecupReponses</a:t>
+              <a:t>Focus : </a:t>
+            </a:r>
+            <a:r>
+              <a:rPr lang="fr-BE"/>
+              <a:t>calculerScores </a:t>
             </a:r>
             <a:r>
               <a:rPr lang="fr-BE" dirty="0"/>
-              <a:t> ⚙️</a:t>
+              <a:t>⚙️</a:t>
             </a:r>
           </a:p>
         </p:txBody>

--- a/Workshop_Presentation.pptx
+++ b/Workshop_Presentation.pptx
@@ -4044,12 +4044,12 @@
               <a:t>Focus : </a:t>
             </a:r>
             <a:r>
-              <a:rPr lang="fr-BE"/>
-              <a:t>calculerScores </a:t>
+              <a:rPr lang="fr-BE" dirty="0" err="1"/>
+              <a:t>calculerScores</a:t>
             </a:r>
             <a:r>
               <a:rPr lang="fr-BE" dirty="0"/>
-              <a:t>⚙️</a:t>
+              <a:t> ⚙️</a:t>
             </a:r>
           </a:p>
         </p:txBody>

--- a/Workshop_Presentation.pptx
+++ b/Workshop_Presentation.pptx
@@ -123,10 +123,25 @@
   <pc:docChgLst>
     <pc:chgData name="Caroline Poveda" userId="dcb7646f-c2e8-4537-bd71-c5d58d22a638" providerId="ADAL" clId="{2A135C5D-1DDC-44B7-8D81-AC641D8C7C10}"/>
     <pc:docChg chg="modSld">
-      <pc:chgData name="Caroline Poveda" userId="dcb7646f-c2e8-4537-bd71-c5d58d22a638" providerId="ADAL" clId="{2A135C5D-1DDC-44B7-8D81-AC641D8C7C10}" dt="2025-12-04T09:47:33.904" v="35" actId="20577"/>
+      <pc:chgData name="Caroline Poveda" userId="dcb7646f-c2e8-4537-bd71-c5d58d22a638" providerId="ADAL" clId="{2A135C5D-1DDC-44B7-8D81-AC641D8C7C10}" dt="2025-12-04T09:52:26.800" v="42" actId="20577"/>
       <pc:docMkLst>
         <pc:docMk/>
       </pc:docMkLst>
+      <pc:sldChg chg="modSp mod">
+        <pc:chgData name="Caroline Poveda" userId="dcb7646f-c2e8-4537-bd71-c5d58d22a638" providerId="ADAL" clId="{2A135C5D-1DDC-44B7-8D81-AC641D8C7C10}" dt="2025-12-04T09:52:26.800" v="42" actId="20577"/>
+        <pc:sldMkLst>
+          <pc:docMk/>
+          <pc:sldMk cId="833962440" sldId="256"/>
+        </pc:sldMkLst>
+        <pc:spChg chg="mod">
+          <ac:chgData name="Caroline Poveda" userId="dcb7646f-c2e8-4537-bd71-c5d58d22a638" providerId="ADAL" clId="{2A135C5D-1DDC-44B7-8D81-AC641D8C7C10}" dt="2025-12-04T09:52:26.800" v="42" actId="20577"/>
+          <ac:spMkLst>
+            <pc:docMk/>
+            <pc:sldMk cId="833962440" sldId="256"/>
+            <ac:spMk id="3" creationId="{54A085DD-0643-8B31-7CF8-8EB4590B8869}"/>
+          </ac:spMkLst>
+        </pc:spChg>
+      </pc:sldChg>
       <pc:sldChg chg="modSp mod">
         <pc:chgData name="Caroline Poveda" userId="dcb7646f-c2e8-4537-bd71-c5d58d22a638" providerId="ADAL" clId="{2A135C5D-1DDC-44B7-8D81-AC641D8C7C10}" dt="2025-12-04T09:47:33.904" v="35" actId="20577"/>
         <pc:sldMkLst>

--- a/Workshop_Presentation.pptx
+++ b/Workshop_Presentation.pptx
@@ -123,7 +123,7 @@
   <pc:docChgLst>
     <pc:chgData name="Caroline Poveda" userId="dcb7646f-c2e8-4537-bd71-c5d58d22a638" providerId="ADAL" clId="{2A135C5D-1DDC-44B7-8D81-AC641D8C7C10}"/>
     <pc:docChg chg="modSld">
-      <pc:chgData name="Caroline Poveda" userId="dcb7646f-c2e8-4537-bd71-c5d58d22a638" providerId="ADAL" clId="{2A135C5D-1DDC-44B7-8D81-AC641D8C7C10}" dt="2025-12-04T09:52:26.800" v="42" actId="20577"/>
+      <pc:chgData name="Caroline Poveda" userId="dcb7646f-c2e8-4537-bd71-c5d58d22a638" providerId="ADAL" clId="{2A135C5D-1DDC-44B7-8D81-AC641D8C7C10}" dt="2025-12-04T10:03:57.818" v="43" actId="20577"/>
       <pc:docMkLst>
         <pc:docMk/>
       </pc:docMkLst>
@@ -143,7 +143,7 @@
         </pc:spChg>
       </pc:sldChg>
       <pc:sldChg chg="modSp mod">
-        <pc:chgData name="Caroline Poveda" userId="dcb7646f-c2e8-4537-bd71-c5d58d22a638" providerId="ADAL" clId="{2A135C5D-1DDC-44B7-8D81-AC641D8C7C10}" dt="2025-12-04T09:47:33.904" v="35" actId="20577"/>
+        <pc:chgData name="Caroline Poveda" userId="dcb7646f-c2e8-4537-bd71-c5d58d22a638" providerId="ADAL" clId="{2A135C5D-1DDC-44B7-8D81-AC641D8C7C10}" dt="2025-12-04T10:03:57.818" v="43" actId="20577"/>
         <pc:sldMkLst>
           <pc:docMk/>
           <pc:sldMk cId="438218888" sldId="261"/>
@@ -154,6 +154,14 @@
             <pc:docMk/>
             <pc:sldMk cId="438218888" sldId="261"/>
             <ac:spMk id="2" creationId="{69887343-9487-A2D5-3105-FF7CED158BEA}"/>
+          </ac:spMkLst>
+        </pc:spChg>
+        <pc:spChg chg="mod">
+          <ac:chgData name="Caroline Poveda" userId="dcb7646f-c2e8-4537-bd71-c5d58d22a638" providerId="ADAL" clId="{2A135C5D-1DDC-44B7-8D81-AC641D8C7C10}" dt="2025-12-04T10:03:57.818" v="43" actId="20577"/>
+          <ac:spMkLst>
+            <pc:docMk/>
+            <pc:sldMk cId="438218888" sldId="261"/>
+            <ac:spMk id="3" creationId="{88FD03A9-77FE-4191-0AAA-AECC229786FA}"/>
           </ac:spMkLst>
         </pc:spChg>
       </pc:sldChg>
@@ -4110,11 +4118,11 @@
             </a:r>
             <a:r>
               <a:rPr lang="fr-BE" sz="2000" dirty="0"/>
-              <a:t> à partir des réponses </a:t>
-            </a:r>
-            <a:r>
-              <a:rPr lang="fr-BE" sz="2000" dirty="0" err="1"/>
-              <a:t>duquestionnaire</a:t>
+              <a:t> à partir des </a:t>
+            </a:r>
+            <a:r>
+              <a:rPr lang="fr-BE" sz="2000"/>
+              <a:t>réponses du questionnaire</a:t>
             </a:r>
             <a:r>
               <a:rPr lang="fr-BE" sz="2000" dirty="0"/>

--- a/Workshop_Presentation.pptx
+++ b/Workshop_Presentation.pptx
@@ -122,23 +122,53 @@
 <pc:chgInfo xmlns:a="http://schemas.openxmlformats.org/drawingml/2006/main" xmlns:r="http://schemas.openxmlformats.org/officeDocument/2006/relationships" xmlns:ac="http://schemas.microsoft.com/office/drawing/2013/main/command" xmlns:pc="http://schemas.microsoft.com/office/powerpoint/2013/main/command">
   <pc:docChgLst>
     <pc:chgData name="Caroline Poveda" userId="dcb7646f-c2e8-4537-bd71-c5d58d22a638" providerId="ADAL" clId="{2A135C5D-1DDC-44B7-8D81-AC641D8C7C10}"/>
-    <pc:docChg chg="modSld">
-      <pc:chgData name="Caroline Poveda" userId="dcb7646f-c2e8-4537-bd71-c5d58d22a638" providerId="ADAL" clId="{2A135C5D-1DDC-44B7-8D81-AC641D8C7C10}" dt="2025-12-04T10:03:57.818" v="43" actId="20577"/>
+    <pc:docChg chg="custSel modSld">
+      <pc:chgData name="Caroline Poveda" userId="dcb7646f-c2e8-4537-bd71-c5d58d22a638" providerId="ADAL" clId="{2A135C5D-1DDC-44B7-8D81-AC641D8C7C10}" dt="2025-12-04T10:27:21.264" v="296" actId="5793"/>
       <pc:docMkLst>
         <pc:docMk/>
       </pc:docMkLst>
       <pc:sldChg chg="modSp mod">
-        <pc:chgData name="Caroline Poveda" userId="dcb7646f-c2e8-4537-bd71-c5d58d22a638" providerId="ADAL" clId="{2A135C5D-1DDC-44B7-8D81-AC641D8C7C10}" dt="2025-12-04T09:52:26.800" v="42" actId="20577"/>
+        <pc:chgData name="Caroline Poveda" userId="dcb7646f-c2e8-4537-bd71-c5d58d22a638" providerId="ADAL" clId="{2A135C5D-1DDC-44B7-8D81-AC641D8C7C10}" dt="2025-12-04T10:22:20.326" v="44" actId="1076"/>
         <pc:sldMkLst>
           <pc:docMk/>
           <pc:sldMk cId="833962440" sldId="256"/>
         </pc:sldMkLst>
         <pc:spChg chg="mod">
-          <ac:chgData name="Caroline Poveda" userId="dcb7646f-c2e8-4537-bd71-c5d58d22a638" providerId="ADAL" clId="{2A135C5D-1DDC-44B7-8D81-AC641D8C7C10}" dt="2025-12-04T09:52:26.800" v="42" actId="20577"/>
+          <ac:chgData name="Caroline Poveda" userId="dcb7646f-c2e8-4537-bd71-c5d58d22a638" providerId="ADAL" clId="{2A135C5D-1DDC-44B7-8D81-AC641D8C7C10}" dt="2025-12-04T10:22:20.326" v="44" actId="1076"/>
           <ac:spMkLst>
             <pc:docMk/>
             <pc:sldMk cId="833962440" sldId="256"/>
             <ac:spMk id="3" creationId="{54A085DD-0643-8B31-7CF8-8EB4590B8869}"/>
+          </ac:spMkLst>
+        </pc:spChg>
+      </pc:sldChg>
+      <pc:sldChg chg="modSp mod">
+        <pc:chgData name="Caroline Poveda" userId="dcb7646f-c2e8-4537-bd71-c5d58d22a638" providerId="ADAL" clId="{2A135C5D-1DDC-44B7-8D81-AC641D8C7C10}" dt="2025-12-04T10:25:36.657" v="294" actId="20577"/>
+        <pc:sldMkLst>
+          <pc:docMk/>
+          <pc:sldMk cId="564212983" sldId="257"/>
+        </pc:sldMkLst>
+        <pc:spChg chg="mod">
+          <ac:chgData name="Caroline Poveda" userId="dcb7646f-c2e8-4537-bd71-c5d58d22a638" providerId="ADAL" clId="{2A135C5D-1DDC-44B7-8D81-AC641D8C7C10}" dt="2025-12-04T10:25:36.657" v="294" actId="20577"/>
+          <ac:spMkLst>
+            <pc:docMk/>
+            <pc:sldMk cId="564212983" sldId="257"/>
+            <ac:spMk id="3" creationId="{C7B1AB9C-85B1-4CC6-1F8C-35DEAA7CD5E7}"/>
+          </ac:spMkLst>
+        </pc:spChg>
+      </pc:sldChg>
+      <pc:sldChg chg="modSp mod">
+        <pc:chgData name="Caroline Poveda" userId="dcb7646f-c2e8-4537-bd71-c5d58d22a638" providerId="ADAL" clId="{2A135C5D-1DDC-44B7-8D81-AC641D8C7C10}" dt="2025-12-04T10:27:21.264" v="296" actId="5793"/>
+        <pc:sldMkLst>
+          <pc:docMk/>
+          <pc:sldMk cId="1313342067" sldId="258"/>
+        </pc:sldMkLst>
+        <pc:spChg chg="mod">
+          <ac:chgData name="Caroline Poveda" userId="dcb7646f-c2e8-4537-bd71-c5d58d22a638" providerId="ADAL" clId="{2A135C5D-1DDC-44B7-8D81-AC641D8C7C10}" dt="2025-12-04T10:27:21.264" v="296" actId="5793"/>
+          <ac:spMkLst>
+            <pc:docMk/>
+            <pc:sldMk cId="1313342067" sldId="258"/>
+            <ac:spMk id="3" creationId="{E4E42176-A5A3-D660-B2B1-D3DC1825802A}"/>
           </ac:spMkLst>
         </pc:spChg>
       </pc:sldChg>
@@ -3449,7 +3479,12 @@
             <p:ph type="subTitle" idx="1"/>
           </p:nvPr>
         </p:nvSpPr>
-        <p:spPr/>
+        <p:spPr>
+          <a:xfrm>
+            <a:off x="1524000" y="3982114"/>
+            <a:ext cx="9144000" cy="1655762"/>
+          </a:xfrm>
+        </p:spPr>
         <p:txBody>
           <a:bodyPr/>
           <a:lstStyle/>
@@ -3546,6 +3581,26 @@
             </a:r>
           </a:p>
           <a:p>
+            <a:r>
+              <a:rPr lang="fr-BE" dirty="0"/>
+              <a:t>Questions notées de 1 à 5, pour savoir sin on est en burn-out.</a:t>
+            </a:r>
+          </a:p>
+          <a:p>
+            <a:pPr lvl="1"/>
+            <a:r>
+              <a:rPr lang="fr-BE" dirty="0"/>
+              <a:t>Si oui, quel en est l’origine ?</a:t>
+            </a:r>
+          </a:p>
+          <a:p>
+            <a:pPr lvl="1"/>
+            <a:r>
+              <a:rPr lang="fr-BE" dirty="0"/>
+              <a:t>Possibilité de trouver un psychologue à proximité.</a:t>
+            </a:r>
+          </a:p>
+          <a:p>
             <a:endParaRPr lang="fr-BE" dirty="0"/>
           </a:p>
           <a:p>
@@ -3669,6 +3724,12 @@
             </a:r>
           </a:p>
           <a:p>
+            <a:pPr marL="0" indent="0">
+              <a:buNone/>
+            </a:pPr>
+            <a:endParaRPr lang="fr-BE" dirty="0"/>
+          </a:p>
+          <a:p>
             <a:endParaRPr lang="fr-BE" dirty="0"/>
           </a:p>
         </p:txBody>
@@ -4118,15 +4179,7 @@
             </a:r>
             <a:r>
               <a:rPr lang="fr-BE" sz="2000" dirty="0"/>
-              <a:t> à partir des </a:t>
-            </a:r>
-            <a:r>
-              <a:rPr lang="fr-BE" sz="2000"/>
-              <a:t>réponses du questionnaire</a:t>
-            </a:r>
-            <a:r>
-              <a:rPr lang="fr-BE" sz="2000" dirty="0"/>
-              <a:t>, puis à </a:t>
+              <a:t> à partir des réponses du questionnaire, puis à </a:t>
             </a:r>
             <a:r>
               <a:rPr lang="fr-BE" sz="2000" b="1" dirty="0"/>

--- a/Workshop_Presentation.pptx
+++ b/Workshop_Presentation.pptx
@@ -123,7 +123,7 @@
   <pc:docChgLst>
     <pc:chgData name="Caroline Poveda" userId="dcb7646f-c2e8-4537-bd71-c5d58d22a638" providerId="ADAL" clId="{2A135C5D-1DDC-44B7-8D81-AC641D8C7C10}"/>
     <pc:docChg chg="custSel modSld">
-      <pc:chgData name="Caroline Poveda" userId="dcb7646f-c2e8-4537-bd71-c5d58d22a638" providerId="ADAL" clId="{2A135C5D-1DDC-44B7-8D81-AC641D8C7C10}" dt="2025-12-04T10:27:21.264" v="296" actId="5793"/>
+      <pc:chgData name="Caroline Poveda" userId="dcb7646f-c2e8-4537-bd71-c5d58d22a638" providerId="ADAL" clId="{2A135C5D-1DDC-44B7-8D81-AC641D8C7C10}" dt="2025-12-04T10:31:39.123" v="350" actId="5793"/>
       <pc:docMkLst>
         <pc:docMk/>
       </pc:docMkLst>
@@ -158,13 +158,13 @@
         </pc:spChg>
       </pc:sldChg>
       <pc:sldChg chg="modSp mod">
-        <pc:chgData name="Caroline Poveda" userId="dcb7646f-c2e8-4537-bd71-c5d58d22a638" providerId="ADAL" clId="{2A135C5D-1DDC-44B7-8D81-AC641D8C7C10}" dt="2025-12-04T10:27:21.264" v="296" actId="5793"/>
+        <pc:chgData name="Caroline Poveda" userId="dcb7646f-c2e8-4537-bd71-c5d58d22a638" providerId="ADAL" clId="{2A135C5D-1DDC-44B7-8D81-AC641D8C7C10}" dt="2025-12-04T10:31:39.123" v="350" actId="5793"/>
         <pc:sldMkLst>
           <pc:docMk/>
           <pc:sldMk cId="1313342067" sldId="258"/>
         </pc:sldMkLst>
         <pc:spChg chg="mod">
-          <ac:chgData name="Caroline Poveda" userId="dcb7646f-c2e8-4537-bd71-c5d58d22a638" providerId="ADAL" clId="{2A135C5D-1DDC-44B7-8D81-AC641D8C7C10}" dt="2025-12-04T10:27:21.264" v="296" actId="5793"/>
+          <ac:chgData name="Caroline Poveda" userId="dcb7646f-c2e8-4537-bd71-c5d58d22a638" providerId="ADAL" clId="{2A135C5D-1DDC-44B7-8D81-AC641D8C7C10}" dt="2025-12-04T10:31:39.123" v="350" actId="5793"/>
           <ac:spMkLst>
             <pc:docMk/>
             <pc:sldMk cId="1313342067" sldId="258"/>
@@ -3720,8 +3720,13 @@
             </a:r>
             <a:r>
               <a:rPr lang="fr-BE" dirty="0"/>
-              <a:t> et truc[valeur] ).</a:t>
-            </a:r>
+              <a:t> et truc[valeur] ), savoir quoi mettre dans ou hors </a:t>
+            </a:r>
+            <a:r>
+              <a:rPr lang="fr-BE"/>
+              <a:t>d’une fonction…</a:t>
+            </a:r>
+            <a:endParaRPr lang="fr-BE" dirty="0"/>
           </a:p>
           <a:p>
             <a:pPr marL="0" indent="0">

--- a/Workshop_Presentation.pptx
+++ b/Workshop_Presentation.pptx
@@ -197,6 +197,45 @@
       </pc:sldChg>
     </pc:docChg>
   </pc:docChgLst>
+  <pc:docChgLst>
+    <pc:chgData name="Caroline Poveda" userId="dcb7646f-c2e8-4537-bd71-c5d58d22a638" providerId="ADAL" clId="{83CAEAE6-BB49-464F-9BC9-47112314F7E4}"/>
+    <pc:docChg chg="modSld">
+      <pc:chgData name="Caroline Poveda" userId="dcb7646f-c2e8-4537-bd71-c5d58d22a638" providerId="ADAL" clId="{83CAEAE6-BB49-464F-9BC9-47112314F7E4}" dt="2025-12-07T15:48:54.177" v="14" actId="20577"/>
+      <pc:docMkLst>
+        <pc:docMk/>
+      </pc:docMkLst>
+      <pc:sldChg chg="modSp mod">
+        <pc:chgData name="Caroline Poveda" userId="dcb7646f-c2e8-4537-bd71-c5d58d22a638" providerId="ADAL" clId="{83CAEAE6-BB49-464F-9BC9-47112314F7E4}" dt="2025-12-07T15:47:31.410" v="0" actId="20577"/>
+        <pc:sldMkLst>
+          <pc:docMk/>
+          <pc:sldMk cId="1313342067" sldId="258"/>
+        </pc:sldMkLst>
+        <pc:spChg chg="mod">
+          <ac:chgData name="Caroline Poveda" userId="dcb7646f-c2e8-4537-bd71-c5d58d22a638" providerId="ADAL" clId="{83CAEAE6-BB49-464F-9BC9-47112314F7E4}" dt="2025-12-07T15:47:31.410" v="0" actId="20577"/>
+          <ac:spMkLst>
+            <pc:docMk/>
+            <pc:sldMk cId="1313342067" sldId="258"/>
+            <ac:spMk id="3" creationId="{E4E42176-A5A3-D660-B2B1-D3DC1825802A}"/>
+          </ac:spMkLst>
+        </pc:spChg>
+      </pc:sldChg>
+      <pc:sldChg chg="modSp mod">
+        <pc:chgData name="Caroline Poveda" userId="dcb7646f-c2e8-4537-bd71-c5d58d22a638" providerId="ADAL" clId="{83CAEAE6-BB49-464F-9BC9-47112314F7E4}" dt="2025-12-07T15:48:54.177" v="14" actId="20577"/>
+        <pc:sldMkLst>
+          <pc:docMk/>
+          <pc:sldMk cId="2686530392" sldId="260"/>
+        </pc:sldMkLst>
+        <pc:spChg chg="mod">
+          <ac:chgData name="Caroline Poveda" userId="dcb7646f-c2e8-4537-bd71-c5d58d22a638" providerId="ADAL" clId="{83CAEAE6-BB49-464F-9BC9-47112314F7E4}" dt="2025-12-07T15:48:54.177" v="14" actId="20577"/>
+          <ac:spMkLst>
+            <pc:docMk/>
+            <pc:sldMk cId="2686530392" sldId="260"/>
+            <ac:spMk id="3" creationId="{3363B020-D80B-85DE-445B-E9EB195A97FD}"/>
+          </ac:spMkLst>
+        </pc:spChg>
+      </pc:sldChg>
+    </pc:docChg>
+  </pc:docChgLst>
 </pc:chgInfo>
 </file>
 
@@ -349,7 +388,7 @@
           <a:p>
             <a:fld id="{FCC507AA-0AF3-499F-8B74-17B245327FCA}" type="datetimeFigureOut">
               <a:rPr lang="fr-BE" smtClean="0"/>
-              <a:t>04-12-25</a:t>
+              <a:t>07-12-25</a:t>
             </a:fld>
             <a:endParaRPr lang="fr-BE"/>
           </a:p>
@@ -403,7 +442,7 @@
           <a:p>
             <a:fld id="{AFF9D4DE-D345-4225-9BC5-22E5FE69C334}" type="slidenum">
               <a:rPr lang="fr-BE" smtClean="0"/>
-              <a:t>‹#›</a:t>
+              <a:t>‹N°›</a:t>
             </a:fld>
             <a:endParaRPr lang="fr-BE"/>
           </a:p>
@@ -549,7 +588,7 @@
           <a:p>
             <a:fld id="{FCC507AA-0AF3-499F-8B74-17B245327FCA}" type="datetimeFigureOut">
               <a:rPr lang="fr-BE" smtClean="0"/>
-              <a:t>04-12-25</a:t>
+              <a:t>07-12-25</a:t>
             </a:fld>
             <a:endParaRPr lang="fr-BE"/>
           </a:p>
@@ -603,7 +642,7 @@
           <a:p>
             <a:fld id="{AFF9D4DE-D345-4225-9BC5-22E5FE69C334}" type="slidenum">
               <a:rPr lang="fr-BE" smtClean="0"/>
-              <a:t>‹#›</a:t>
+              <a:t>‹N°›</a:t>
             </a:fld>
             <a:endParaRPr lang="fr-BE"/>
           </a:p>
@@ -759,7 +798,7 @@
           <a:p>
             <a:fld id="{FCC507AA-0AF3-499F-8B74-17B245327FCA}" type="datetimeFigureOut">
               <a:rPr lang="fr-BE" smtClean="0"/>
-              <a:t>04-12-25</a:t>
+              <a:t>07-12-25</a:t>
             </a:fld>
             <a:endParaRPr lang="fr-BE"/>
           </a:p>
@@ -813,7 +852,7 @@
           <a:p>
             <a:fld id="{AFF9D4DE-D345-4225-9BC5-22E5FE69C334}" type="slidenum">
               <a:rPr lang="fr-BE" smtClean="0"/>
-              <a:t>‹#›</a:t>
+              <a:t>‹N°›</a:t>
             </a:fld>
             <a:endParaRPr lang="fr-BE"/>
           </a:p>
@@ -959,7 +998,7 @@
           <a:p>
             <a:fld id="{FCC507AA-0AF3-499F-8B74-17B245327FCA}" type="datetimeFigureOut">
               <a:rPr lang="fr-BE" smtClean="0"/>
-              <a:t>04-12-25</a:t>
+              <a:t>07-12-25</a:t>
             </a:fld>
             <a:endParaRPr lang="fr-BE"/>
           </a:p>
@@ -1013,7 +1052,7 @@
           <a:p>
             <a:fld id="{AFF9D4DE-D345-4225-9BC5-22E5FE69C334}" type="slidenum">
               <a:rPr lang="fr-BE" smtClean="0"/>
-              <a:t>‹#›</a:t>
+              <a:t>‹N°›</a:t>
             </a:fld>
             <a:endParaRPr lang="fr-BE"/>
           </a:p>
@@ -1235,7 +1274,7 @@
           <a:p>
             <a:fld id="{FCC507AA-0AF3-499F-8B74-17B245327FCA}" type="datetimeFigureOut">
               <a:rPr lang="fr-BE" smtClean="0"/>
-              <a:t>04-12-25</a:t>
+              <a:t>07-12-25</a:t>
             </a:fld>
             <a:endParaRPr lang="fr-BE"/>
           </a:p>
@@ -1289,7 +1328,7 @@
           <a:p>
             <a:fld id="{AFF9D4DE-D345-4225-9BC5-22E5FE69C334}" type="slidenum">
               <a:rPr lang="fr-BE" smtClean="0"/>
-              <a:t>‹#›</a:t>
+              <a:t>‹N°›</a:t>
             </a:fld>
             <a:endParaRPr lang="fr-BE"/>
           </a:p>
@@ -1503,7 +1542,7 @@
           <a:p>
             <a:fld id="{FCC507AA-0AF3-499F-8B74-17B245327FCA}" type="datetimeFigureOut">
               <a:rPr lang="fr-BE" smtClean="0"/>
-              <a:t>04-12-25</a:t>
+              <a:t>07-12-25</a:t>
             </a:fld>
             <a:endParaRPr lang="fr-BE"/>
           </a:p>
@@ -1557,7 +1596,7 @@
           <a:p>
             <a:fld id="{AFF9D4DE-D345-4225-9BC5-22E5FE69C334}" type="slidenum">
               <a:rPr lang="fr-BE" smtClean="0"/>
-              <a:t>‹#›</a:t>
+              <a:t>‹N°›</a:t>
             </a:fld>
             <a:endParaRPr lang="fr-BE"/>
           </a:p>
@@ -1918,7 +1957,7 @@
           <a:p>
             <a:fld id="{FCC507AA-0AF3-499F-8B74-17B245327FCA}" type="datetimeFigureOut">
               <a:rPr lang="fr-BE" smtClean="0"/>
-              <a:t>04-12-25</a:t>
+              <a:t>07-12-25</a:t>
             </a:fld>
             <a:endParaRPr lang="fr-BE"/>
           </a:p>
@@ -1972,7 +2011,7 @@
           <a:p>
             <a:fld id="{AFF9D4DE-D345-4225-9BC5-22E5FE69C334}" type="slidenum">
               <a:rPr lang="fr-BE" smtClean="0"/>
-              <a:t>‹#›</a:t>
+              <a:t>‹N°›</a:t>
             </a:fld>
             <a:endParaRPr lang="fr-BE"/>
           </a:p>
@@ -2060,7 +2099,7 @@
           <a:p>
             <a:fld id="{FCC507AA-0AF3-499F-8B74-17B245327FCA}" type="datetimeFigureOut">
               <a:rPr lang="fr-BE" smtClean="0"/>
-              <a:t>04-12-25</a:t>
+              <a:t>07-12-25</a:t>
             </a:fld>
             <a:endParaRPr lang="fr-BE"/>
           </a:p>
@@ -2114,7 +2153,7 @@
           <a:p>
             <a:fld id="{AFF9D4DE-D345-4225-9BC5-22E5FE69C334}" type="slidenum">
               <a:rPr lang="fr-BE" smtClean="0"/>
-              <a:t>‹#›</a:t>
+              <a:t>‹N°›</a:t>
             </a:fld>
             <a:endParaRPr lang="fr-BE"/>
           </a:p>
@@ -2173,7 +2212,7 @@
           <a:p>
             <a:fld id="{FCC507AA-0AF3-499F-8B74-17B245327FCA}" type="datetimeFigureOut">
               <a:rPr lang="fr-BE" smtClean="0"/>
-              <a:t>04-12-25</a:t>
+              <a:t>07-12-25</a:t>
             </a:fld>
             <a:endParaRPr lang="fr-BE"/>
           </a:p>
@@ -2227,7 +2266,7 @@
           <a:p>
             <a:fld id="{AFF9D4DE-D345-4225-9BC5-22E5FE69C334}" type="slidenum">
               <a:rPr lang="fr-BE" smtClean="0"/>
-              <a:t>‹#›</a:t>
+              <a:t>‹N°›</a:t>
             </a:fld>
             <a:endParaRPr lang="fr-BE"/>
           </a:p>
@@ -2486,7 +2525,7 @@
           <a:p>
             <a:fld id="{FCC507AA-0AF3-499F-8B74-17B245327FCA}" type="datetimeFigureOut">
               <a:rPr lang="fr-BE" smtClean="0"/>
-              <a:t>04-12-25</a:t>
+              <a:t>07-12-25</a:t>
             </a:fld>
             <a:endParaRPr lang="fr-BE"/>
           </a:p>
@@ -2540,7 +2579,7 @@
           <a:p>
             <a:fld id="{AFF9D4DE-D345-4225-9BC5-22E5FE69C334}" type="slidenum">
               <a:rPr lang="fr-BE" smtClean="0"/>
-              <a:t>‹#›</a:t>
+              <a:t>‹N°›</a:t>
             </a:fld>
             <a:endParaRPr lang="fr-BE"/>
           </a:p>
@@ -2775,7 +2814,7 @@
           <a:p>
             <a:fld id="{FCC507AA-0AF3-499F-8B74-17B245327FCA}" type="datetimeFigureOut">
               <a:rPr lang="fr-BE" smtClean="0"/>
-              <a:t>04-12-25</a:t>
+              <a:t>07-12-25</a:t>
             </a:fld>
             <a:endParaRPr lang="fr-BE"/>
           </a:p>
@@ -2829,7 +2868,7 @@
           <a:p>
             <a:fld id="{AFF9D4DE-D345-4225-9BC5-22E5FE69C334}" type="slidenum">
               <a:rPr lang="fr-BE" smtClean="0"/>
-              <a:t>‹#›</a:t>
+              <a:t>‹N°›</a:t>
             </a:fld>
             <a:endParaRPr lang="fr-BE"/>
           </a:p>
@@ -3018,7 +3057,7 @@
           <a:p>
             <a:fld id="{FCC507AA-0AF3-499F-8B74-17B245327FCA}" type="datetimeFigureOut">
               <a:rPr lang="fr-BE" smtClean="0"/>
-              <a:t>04-12-25</a:t>
+              <a:t>07-12-25</a:t>
             </a:fld>
             <a:endParaRPr lang="fr-BE"/>
           </a:p>
@@ -3108,7 +3147,7 @@
           <a:p>
             <a:fld id="{AFF9D4DE-D345-4225-9BC5-22E5FE69C334}" type="slidenum">
               <a:rPr lang="fr-BE" smtClean="0"/>
-              <a:t>‹#›</a:t>
+              <a:t>‹N°›</a:t>
             </a:fld>
             <a:endParaRPr lang="fr-BE"/>
           </a:p>
@@ -3702,6 +3741,9 @@
             <a:endParaRPr lang="fr-BE" dirty="0"/>
           </a:p>
           <a:p>
+            <a:endParaRPr lang="fr-BE" dirty="0"/>
+          </a:p>
+          <a:p>
             <a:r>
               <a:rPr lang="fr-BE" dirty="0"/>
               <a:t>En général : </a:t>
@@ -3720,13 +3762,8 @@
             </a:r>
             <a:r>
               <a:rPr lang="fr-BE" dirty="0"/>
-              <a:t> et truc[valeur] ), savoir quoi mettre dans ou hors </a:t>
-            </a:r>
-            <a:r>
-              <a:rPr lang="fr-BE"/>
-              <a:t>d’une fonction…</a:t>
-            </a:r>
-            <a:endParaRPr lang="fr-BE" dirty="0"/>
+              <a:t> et truc[valeur] ), savoir quoi mettre dans ou hors d’une fonction…</a:t>
+            </a:r>
           </a:p>
           <a:p>
             <a:pPr marL="0" indent="0">

--- a/Workshop_Presentation.pptx
+++ b/Workshop_Presentation.pptx
@@ -388,7 +388,7 @@
           <a:p>
             <a:fld id="{FCC507AA-0AF3-499F-8B74-17B245327FCA}" type="datetimeFigureOut">
               <a:rPr lang="fr-BE" smtClean="0"/>
-              <a:t>07-12-25</a:t>
+              <a:t>15-12-25</a:t>
             </a:fld>
             <a:endParaRPr lang="fr-BE"/>
           </a:p>
@@ -588,7 +588,7 @@
           <a:p>
             <a:fld id="{FCC507AA-0AF3-499F-8B74-17B245327FCA}" type="datetimeFigureOut">
               <a:rPr lang="fr-BE" smtClean="0"/>
-              <a:t>07-12-25</a:t>
+              <a:t>15-12-25</a:t>
             </a:fld>
             <a:endParaRPr lang="fr-BE"/>
           </a:p>
@@ -798,7 +798,7 @@
           <a:p>
             <a:fld id="{FCC507AA-0AF3-499F-8B74-17B245327FCA}" type="datetimeFigureOut">
               <a:rPr lang="fr-BE" smtClean="0"/>
-              <a:t>07-12-25</a:t>
+              <a:t>15-12-25</a:t>
             </a:fld>
             <a:endParaRPr lang="fr-BE"/>
           </a:p>
@@ -998,7 +998,7 @@
           <a:p>
             <a:fld id="{FCC507AA-0AF3-499F-8B74-17B245327FCA}" type="datetimeFigureOut">
               <a:rPr lang="fr-BE" smtClean="0"/>
-              <a:t>07-12-25</a:t>
+              <a:t>15-12-25</a:t>
             </a:fld>
             <a:endParaRPr lang="fr-BE"/>
           </a:p>
@@ -1274,7 +1274,7 @@
           <a:p>
             <a:fld id="{FCC507AA-0AF3-499F-8B74-17B245327FCA}" type="datetimeFigureOut">
               <a:rPr lang="fr-BE" smtClean="0"/>
-              <a:t>07-12-25</a:t>
+              <a:t>15-12-25</a:t>
             </a:fld>
             <a:endParaRPr lang="fr-BE"/>
           </a:p>
@@ -1542,7 +1542,7 @@
           <a:p>
             <a:fld id="{FCC507AA-0AF3-499F-8B74-17B245327FCA}" type="datetimeFigureOut">
               <a:rPr lang="fr-BE" smtClean="0"/>
-              <a:t>07-12-25</a:t>
+              <a:t>15-12-25</a:t>
             </a:fld>
             <a:endParaRPr lang="fr-BE"/>
           </a:p>
@@ -1957,7 +1957,7 @@
           <a:p>
             <a:fld id="{FCC507AA-0AF3-499F-8B74-17B245327FCA}" type="datetimeFigureOut">
               <a:rPr lang="fr-BE" smtClean="0"/>
-              <a:t>07-12-25</a:t>
+              <a:t>15-12-25</a:t>
             </a:fld>
             <a:endParaRPr lang="fr-BE"/>
           </a:p>
@@ -2099,7 +2099,7 @@
           <a:p>
             <a:fld id="{FCC507AA-0AF3-499F-8B74-17B245327FCA}" type="datetimeFigureOut">
               <a:rPr lang="fr-BE" smtClean="0"/>
-              <a:t>07-12-25</a:t>
+              <a:t>15-12-25</a:t>
             </a:fld>
             <a:endParaRPr lang="fr-BE"/>
           </a:p>
@@ -2212,7 +2212,7 @@
           <a:p>
             <a:fld id="{FCC507AA-0AF3-499F-8B74-17B245327FCA}" type="datetimeFigureOut">
               <a:rPr lang="fr-BE" smtClean="0"/>
-              <a:t>07-12-25</a:t>
+              <a:t>15-12-25</a:t>
             </a:fld>
             <a:endParaRPr lang="fr-BE"/>
           </a:p>
@@ -2525,7 +2525,7 @@
           <a:p>
             <a:fld id="{FCC507AA-0AF3-499F-8B74-17B245327FCA}" type="datetimeFigureOut">
               <a:rPr lang="fr-BE" smtClean="0"/>
-              <a:t>07-12-25</a:t>
+              <a:t>15-12-25</a:t>
             </a:fld>
             <a:endParaRPr lang="fr-BE"/>
           </a:p>
@@ -2814,7 +2814,7 @@
           <a:p>
             <a:fld id="{FCC507AA-0AF3-499F-8B74-17B245327FCA}" type="datetimeFigureOut">
               <a:rPr lang="fr-BE" smtClean="0"/>
-              <a:t>07-12-25</a:t>
+              <a:t>15-12-25</a:t>
             </a:fld>
             <a:endParaRPr lang="fr-BE"/>
           </a:p>
@@ -3057,7 +3057,7 @@
           <a:p>
             <a:fld id="{FCC507AA-0AF3-499F-8B74-17B245327FCA}" type="datetimeFigureOut">
               <a:rPr lang="fr-BE" smtClean="0"/>
-              <a:t>07-12-25</a:t>
+              <a:t>15-12-25</a:t>
             </a:fld>
             <a:endParaRPr lang="fr-BE"/>
           </a:p>
@@ -3622,14 +3622,14 @@
           <a:p>
             <a:r>
               <a:rPr lang="fr-BE" dirty="0"/>
-              <a:t>Questions notées de 1 à 5, pour savoir sin on est en burn-out.</a:t>
+              <a:t>Affirmations notées de 1 à 5 par l’utilisateur, pour détecter un risque de burn-out.</a:t>
             </a:r>
           </a:p>
           <a:p>
             <a:pPr lvl="1"/>
             <a:r>
               <a:rPr lang="fr-BE" dirty="0"/>
-              <a:t>Si oui, quel en est l’origine ?</a:t>
+              <a:t>Si on est à risque, quel en est l’origine ?</a:t>
             </a:r>
           </a:p>
           <a:p>

--- a/Workshop_Presentation.pptx
+++ b/Workshop_Presentation.pptx
@@ -123,7 +123,7 @@
   <pc:docChgLst>
     <pc:chgData name="Caroline Poveda" userId="dcb7646f-c2e8-4537-bd71-c5d58d22a638" providerId="ADAL" clId="{2A135C5D-1DDC-44B7-8D81-AC641D8C7C10}"/>
     <pc:docChg chg="custSel modSld">
-      <pc:chgData name="Caroline Poveda" userId="dcb7646f-c2e8-4537-bd71-c5d58d22a638" providerId="ADAL" clId="{2A135C5D-1DDC-44B7-8D81-AC641D8C7C10}" dt="2025-12-04T10:31:39.123" v="350" actId="5793"/>
+      <pc:chgData name="Caroline Poveda" userId="dcb7646f-c2e8-4537-bd71-c5d58d22a638" providerId="ADAL" clId="{2A135C5D-1DDC-44B7-8D81-AC641D8C7C10}" dt="2025-12-15T08:37:30.118" v="356" actId="20577"/>
       <pc:docMkLst>
         <pc:docMk/>
       </pc:docMkLst>
@@ -195,6 +195,21 @@
           </ac:spMkLst>
         </pc:spChg>
       </pc:sldChg>
+      <pc:sldChg chg="modSp mod">
+        <pc:chgData name="Caroline Poveda" userId="dcb7646f-c2e8-4537-bd71-c5d58d22a638" providerId="ADAL" clId="{2A135C5D-1DDC-44B7-8D81-AC641D8C7C10}" dt="2025-12-15T08:37:30.118" v="356" actId="20577"/>
+        <pc:sldMkLst>
+          <pc:docMk/>
+          <pc:sldMk cId="1946199155" sldId="262"/>
+        </pc:sldMkLst>
+        <pc:spChg chg="mod">
+          <ac:chgData name="Caroline Poveda" userId="dcb7646f-c2e8-4537-bd71-c5d58d22a638" providerId="ADAL" clId="{2A135C5D-1DDC-44B7-8D81-AC641D8C7C10}" dt="2025-12-15T08:37:30.118" v="356" actId="20577"/>
+          <ac:spMkLst>
+            <pc:docMk/>
+            <pc:sldMk cId="1946199155" sldId="262"/>
+            <ac:spMk id="3" creationId="{6EB983EE-05C6-E7B3-514F-9FFD4F6780B1}"/>
+          </ac:spMkLst>
+        </pc:spChg>
+      </pc:sldChg>
     </pc:docChg>
   </pc:docChgLst>
   <pc:docChgLst>
@@ -442,7 +457,7 @@
           <a:p>
             <a:fld id="{AFF9D4DE-D345-4225-9BC5-22E5FE69C334}" type="slidenum">
               <a:rPr lang="fr-BE" smtClean="0"/>
-              <a:t>‹N°›</a:t>
+              <a:t>‹#›</a:t>
             </a:fld>
             <a:endParaRPr lang="fr-BE"/>
           </a:p>
@@ -642,7 +657,7 @@
           <a:p>
             <a:fld id="{AFF9D4DE-D345-4225-9BC5-22E5FE69C334}" type="slidenum">
               <a:rPr lang="fr-BE" smtClean="0"/>
-              <a:t>‹N°›</a:t>
+              <a:t>‹#›</a:t>
             </a:fld>
             <a:endParaRPr lang="fr-BE"/>
           </a:p>
@@ -852,7 +867,7 @@
           <a:p>
             <a:fld id="{AFF9D4DE-D345-4225-9BC5-22E5FE69C334}" type="slidenum">
               <a:rPr lang="fr-BE" smtClean="0"/>
-              <a:t>‹N°›</a:t>
+              <a:t>‹#›</a:t>
             </a:fld>
             <a:endParaRPr lang="fr-BE"/>
           </a:p>
@@ -1052,7 +1067,7 @@
           <a:p>
             <a:fld id="{AFF9D4DE-D345-4225-9BC5-22E5FE69C334}" type="slidenum">
               <a:rPr lang="fr-BE" smtClean="0"/>
-              <a:t>‹N°›</a:t>
+              <a:t>‹#›</a:t>
             </a:fld>
             <a:endParaRPr lang="fr-BE"/>
           </a:p>
@@ -1328,7 +1343,7 @@
           <a:p>
             <a:fld id="{AFF9D4DE-D345-4225-9BC5-22E5FE69C334}" type="slidenum">
               <a:rPr lang="fr-BE" smtClean="0"/>
-              <a:t>‹N°›</a:t>
+              <a:t>‹#›</a:t>
             </a:fld>
             <a:endParaRPr lang="fr-BE"/>
           </a:p>
@@ -1596,7 +1611,7 @@
           <a:p>
             <a:fld id="{AFF9D4DE-D345-4225-9BC5-22E5FE69C334}" type="slidenum">
               <a:rPr lang="fr-BE" smtClean="0"/>
-              <a:t>‹N°›</a:t>
+              <a:t>‹#›</a:t>
             </a:fld>
             <a:endParaRPr lang="fr-BE"/>
           </a:p>
@@ -2011,7 +2026,7 @@
           <a:p>
             <a:fld id="{AFF9D4DE-D345-4225-9BC5-22E5FE69C334}" type="slidenum">
               <a:rPr lang="fr-BE" smtClean="0"/>
-              <a:t>‹N°›</a:t>
+              <a:t>‹#›</a:t>
             </a:fld>
             <a:endParaRPr lang="fr-BE"/>
           </a:p>
@@ -2153,7 +2168,7 @@
           <a:p>
             <a:fld id="{AFF9D4DE-D345-4225-9BC5-22E5FE69C334}" type="slidenum">
               <a:rPr lang="fr-BE" smtClean="0"/>
-              <a:t>‹N°›</a:t>
+              <a:t>‹#›</a:t>
             </a:fld>
             <a:endParaRPr lang="fr-BE"/>
           </a:p>
@@ -2266,7 +2281,7 @@
           <a:p>
             <a:fld id="{AFF9D4DE-D345-4225-9BC5-22E5FE69C334}" type="slidenum">
               <a:rPr lang="fr-BE" smtClean="0"/>
-              <a:t>‹N°›</a:t>
+              <a:t>‹#›</a:t>
             </a:fld>
             <a:endParaRPr lang="fr-BE"/>
           </a:p>
@@ -2579,7 +2594,7 @@
           <a:p>
             <a:fld id="{AFF9D4DE-D345-4225-9BC5-22E5FE69C334}" type="slidenum">
               <a:rPr lang="fr-BE" smtClean="0"/>
-              <a:t>‹N°›</a:t>
+              <a:t>‹#›</a:t>
             </a:fld>
             <a:endParaRPr lang="fr-BE"/>
           </a:p>
@@ -2868,7 +2883,7 @@
           <a:p>
             <a:fld id="{AFF9D4DE-D345-4225-9BC5-22E5FE69C334}" type="slidenum">
               <a:rPr lang="fr-BE" smtClean="0"/>
-              <a:t>‹N°›</a:t>
+              <a:t>‹#›</a:t>
             </a:fld>
             <a:endParaRPr lang="fr-BE"/>
           </a:p>
@@ -3147,7 +3162,7 @@
           <a:p>
             <a:fld id="{AFF9D4DE-D345-4225-9BC5-22E5FE69C334}" type="slidenum">
               <a:rPr lang="fr-BE" smtClean="0"/>
-              <a:t>‹N°›</a:t>
+              <a:t>‹#›</a:t>
             </a:fld>
             <a:endParaRPr lang="fr-BE"/>
           </a:p>
@@ -4526,14 +4541,18 @@
             <a:pPr lvl="2"/>
             <a:r>
               <a:rPr lang="fr-BE" sz="1600" dirty="0"/>
-              <a:t>≤ 3 → À surveiller</a:t>
+              <a:t>≤ 3,5 → À surveiller</a:t>
             </a:r>
           </a:p>
           <a:p>
             <a:pPr lvl="2"/>
             <a:r>
+              <a:rPr lang="fr-BE" sz="1600"/>
+              <a:t>3,6 </a:t>
+            </a:r>
+            <a:r>
               <a:rPr lang="fr-BE" sz="1600" dirty="0"/>
-              <a:t>3 → Préoccupant</a:t>
+              <a:t>→ Préoccupant</a:t>
             </a:r>
           </a:p>
           <a:p>
